--- a/Mainpage/quiz.pptx
+++ b/Mainpage/quiz.pptx
@@ -7,6 +7,15 @@
   <p:sldIdLst>
     <p:sldId id="256" r:id="rId2"/>
     <p:sldId id="257" r:id="rId3"/>
+    <p:sldId id="258" r:id="rId4"/>
+    <p:sldId id="259" r:id="rId5"/>
+    <p:sldId id="260" r:id="rId6"/>
+    <p:sldId id="261" r:id="rId7"/>
+    <p:sldId id="262" r:id="rId8"/>
+    <p:sldId id="263" r:id="rId9"/>
+    <p:sldId id="264" r:id="rId10"/>
+    <p:sldId id="265" r:id="rId11"/>
+    <p:sldId id="266" r:id="rId12"/>
   </p:sldIdLst>
   <p:sldSz cx="9144000" cy="6858000" type="screen4x3"/>
   <p:notesSz cx="6858000" cy="9144000"/>
@@ -289,7 +298,7 @@
           <a:p>
             <a:fld id="{D4E7A746-3143-A542-8C5A-DC20B395A596}" type="datetimeFigureOut">
               <a:rPr lang="en-US" smtClean="0"/>
-              <a:t>7/7/15</a:t>
+              <a:t>7/13/2015</a:t>
             </a:fld>
             <a:endParaRPr lang="en-US"/>
           </a:p>
@@ -459,7 +468,7 @@
           <a:p>
             <a:fld id="{D4E7A746-3143-A542-8C5A-DC20B395A596}" type="datetimeFigureOut">
               <a:rPr lang="en-US" smtClean="0"/>
-              <a:t>7/7/15</a:t>
+              <a:t>7/13/2015</a:t>
             </a:fld>
             <a:endParaRPr lang="en-US"/>
           </a:p>
@@ -639,7 +648,7 @@
           <a:p>
             <a:fld id="{D4E7A746-3143-A542-8C5A-DC20B395A596}" type="datetimeFigureOut">
               <a:rPr lang="en-US" smtClean="0"/>
-              <a:t>7/7/15</a:t>
+              <a:t>7/13/2015</a:t>
             </a:fld>
             <a:endParaRPr lang="en-US"/>
           </a:p>
@@ -809,7 +818,7 @@
           <a:p>
             <a:fld id="{D4E7A746-3143-A542-8C5A-DC20B395A596}" type="datetimeFigureOut">
               <a:rPr lang="en-US" smtClean="0"/>
-              <a:t>7/7/15</a:t>
+              <a:t>7/13/2015</a:t>
             </a:fld>
             <a:endParaRPr lang="en-US"/>
           </a:p>
@@ -1055,7 +1064,7 @@
           <a:p>
             <a:fld id="{D4E7A746-3143-A542-8C5A-DC20B395A596}" type="datetimeFigureOut">
               <a:rPr lang="en-US" smtClean="0"/>
-              <a:t>7/7/15</a:t>
+              <a:t>7/13/2015</a:t>
             </a:fld>
             <a:endParaRPr lang="en-US"/>
           </a:p>
@@ -1343,7 +1352,7 @@
           <a:p>
             <a:fld id="{D4E7A746-3143-A542-8C5A-DC20B395A596}" type="datetimeFigureOut">
               <a:rPr lang="en-US" smtClean="0"/>
-              <a:t>7/7/15</a:t>
+              <a:t>7/13/2015</a:t>
             </a:fld>
             <a:endParaRPr lang="en-US"/>
           </a:p>
@@ -1765,7 +1774,7 @@
           <a:p>
             <a:fld id="{D4E7A746-3143-A542-8C5A-DC20B395A596}" type="datetimeFigureOut">
               <a:rPr lang="en-US" smtClean="0"/>
-              <a:t>7/7/15</a:t>
+              <a:t>7/13/2015</a:t>
             </a:fld>
             <a:endParaRPr lang="en-US"/>
           </a:p>
@@ -1883,7 +1892,7 @@
           <a:p>
             <a:fld id="{D4E7A746-3143-A542-8C5A-DC20B395A596}" type="datetimeFigureOut">
               <a:rPr lang="en-US" smtClean="0"/>
-              <a:t>7/7/15</a:t>
+              <a:t>7/13/2015</a:t>
             </a:fld>
             <a:endParaRPr lang="en-US"/>
           </a:p>
@@ -1978,7 +1987,7 @@
           <a:p>
             <a:fld id="{D4E7A746-3143-A542-8C5A-DC20B395A596}" type="datetimeFigureOut">
               <a:rPr lang="en-US" smtClean="0"/>
-              <a:t>7/7/15</a:t>
+              <a:t>7/13/2015</a:t>
             </a:fld>
             <a:endParaRPr lang="en-US"/>
           </a:p>
@@ -2255,7 +2264,7 @@
           <a:p>
             <a:fld id="{D4E7A746-3143-A542-8C5A-DC20B395A596}" type="datetimeFigureOut">
               <a:rPr lang="en-US" smtClean="0"/>
-              <a:t>7/7/15</a:t>
+              <a:t>7/13/2015</a:t>
             </a:fld>
             <a:endParaRPr lang="en-US"/>
           </a:p>
@@ -2508,7 +2517,7 @@
           <a:p>
             <a:fld id="{D4E7A746-3143-A542-8C5A-DC20B395A596}" type="datetimeFigureOut">
               <a:rPr lang="en-US" smtClean="0"/>
-              <a:t>7/7/15</a:t>
+              <a:t>7/13/2015</a:t>
             </a:fld>
             <a:endParaRPr lang="en-US"/>
           </a:p>
@@ -2721,7 +2730,7 @@
           <a:p>
             <a:fld id="{D4E7A746-3143-A542-8C5A-DC20B395A596}" type="datetimeFigureOut">
               <a:rPr lang="en-US" smtClean="0"/>
-              <a:t>7/7/15</a:t>
+              <a:t>7/13/2015</a:t>
             </a:fld>
             <a:endParaRPr lang="en-US"/>
           </a:p>
@@ -3690,6 +3699,373 @@
   <p:clrMapOvr>
     <a:masterClrMapping/>
   </p:clrMapOvr>
+  <p:timing>
+    <p:tnLst>
+      <p:par>
+        <p:cTn id="1" dur="indefinite" restart="never" nodeType="tmRoot"/>
+      </p:par>
+    </p:tnLst>
+  </p:timing>
+</p:sld>
+</file>
+
+<file path=ppt/slides/slide10.xml><?xml version="1.0" encoding="utf-8"?>
+<p:sld xmlns:a="http://schemas.openxmlformats.org/drawingml/2006/main" xmlns:r="http://schemas.openxmlformats.org/officeDocument/2006/relationships" xmlns:p="http://schemas.openxmlformats.org/presentationml/2006/main">
+  <p:cSld>
+    <p:spTree>
+      <p:nvGrpSpPr>
+        <p:cNvPr id="1" name=""/>
+        <p:cNvGrpSpPr/>
+        <p:nvPr/>
+      </p:nvGrpSpPr>
+      <p:grpSpPr>
+        <a:xfrm>
+          <a:off x="0" y="0"/>
+          <a:ext cx="0" cy="0"/>
+          <a:chOff x="0" y="0"/>
+          <a:chExt cx="0" cy="0"/>
+        </a:xfrm>
+      </p:grpSpPr>
+      <p:grpSp>
+        <p:nvGrpSpPr>
+          <p:cNvPr id="4" name="Group 3"/>
+          <p:cNvGrpSpPr/>
+          <p:nvPr/>
+        </p:nvGrpSpPr>
+        <p:grpSpPr>
+          <a:xfrm>
+            <a:off x="238205" y="330998"/>
+            <a:ext cx="8686600" cy="4785107"/>
+            <a:chOff x="238205" y="330998"/>
+            <a:chExt cx="8686600" cy="4785107"/>
+          </a:xfrm>
+        </p:grpSpPr>
+        <p:pic>
+          <p:nvPicPr>
+            <p:cNvPr id="3074" name="Picture 2"/>
+            <p:cNvPicPr>
+              <a:picLocks noChangeAspect="1" noChangeArrowheads="1"/>
+            </p:cNvPicPr>
+            <p:nvPr/>
+          </p:nvPicPr>
+          <p:blipFill>
+            <a:blip r:embed="rId2">
+              <a:extLst>
+                <a:ext uri="{28A0092B-C50C-407E-A947-70E740481C1C}">
+                  <a14:useLocalDpi xmlns:a14="http://schemas.microsoft.com/office/drawing/2010/main" val="0"/>
+                </a:ext>
+              </a:extLst>
+            </a:blip>
+            <a:srcRect/>
+            <a:stretch>
+              <a:fillRect/>
+            </a:stretch>
+          </p:blipFill>
+          <p:spPr bwMode="auto">
+            <a:xfrm>
+              <a:off x="238205" y="330998"/>
+              <a:ext cx="8686600" cy="4785107"/>
+            </a:xfrm>
+            <a:prstGeom prst="rect">
+              <a:avLst/>
+            </a:prstGeom>
+            <a:noFill/>
+            <a:ln>
+              <a:noFill/>
+            </a:ln>
+            <a:extLst>
+              <a:ext uri="{909E8E84-426E-40DD-AFC4-6F175D3DCCD1}">
+                <a14:hiddenFill xmlns:a14="http://schemas.microsoft.com/office/drawing/2010/main">
+                  <a:solidFill>
+                    <a:schemeClr val="accent1"/>
+                  </a:solidFill>
+                </a14:hiddenFill>
+              </a:ext>
+              <a:ext uri="{91240B29-F687-4F45-9708-019B960494DF}">
+                <a14:hiddenLine xmlns:a14="http://schemas.microsoft.com/office/drawing/2010/main" w="9525">
+                  <a:solidFill>
+                    <a:schemeClr val="tx1"/>
+                  </a:solidFill>
+                  <a:miter lim="800000"/>
+                  <a:headEnd/>
+                  <a:tailEnd/>
+                </a14:hiddenLine>
+              </a:ext>
+            </a:extLst>
+          </p:spPr>
+        </p:pic>
+        <p:sp>
+          <p:nvSpPr>
+            <p:cNvPr id="5" name="Rectangle 4"/>
+            <p:cNvSpPr/>
+            <p:nvPr/>
+          </p:nvSpPr>
+          <p:spPr>
+            <a:xfrm>
+              <a:off x="5766007" y="1368042"/>
+              <a:ext cx="1987500" cy="438088"/>
+            </a:xfrm>
+            <a:prstGeom prst="rect">
+              <a:avLst/>
+            </a:prstGeom>
+            <a:solidFill>
+              <a:schemeClr val="tx1"/>
+            </a:solidFill>
+            <a:ln>
+              <a:solidFill>
+                <a:srgbClr val="FFC000"/>
+              </a:solidFill>
+              <a:prstDash val="sysDash"/>
+            </a:ln>
+          </p:spPr>
+          <p:style>
+            <a:lnRef idx="1">
+              <a:schemeClr val="accent1"/>
+            </a:lnRef>
+            <a:fillRef idx="3">
+              <a:schemeClr val="accent1"/>
+            </a:fillRef>
+            <a:effectRef idx="2">
+              <a:schemeClr val="accent1"/>
+            </a:effectRef>
+            <a:fontRef idx="minor">
+              <a:schemeClr val="lt1"/>
+            </a:fontRef>
+          </p:style>
+          <p:txBody>
+            <a:bodyPr rtlCol="0" anchor="ctr"/>
+            <a:lstStyle/>
+            <a:p>
+              <a:r>
+                <a:rPr lang="en-US" sz="1200" dirty="0" smtClean="0">
+                  <a:solidFill>
+                    <a:srgbClr val="FFC000"/>
+                  </a:solidFill>
+                </a:rPr>
+                <a:t>What does it meant for two events to be </a:t>
+              </a:r>
+              <a:r>
+                <a:rPr lang="en-US" sz="1200" b="1" i="1" dirty="0" smtClean="0">
+                  <a:solidFill>
+                    <a:srgbClr val="FFC000"/>
+                  </a:solidFill>
+                </a:rPr>
+                <a:t>independent</a:t>
+              </a:r>
+              <a:r>
+                <a:rPr lang="en-US" sz="1200" dirty="0" smtClean="0">
+                  <a:solidFill>
+                    <a:srgbClr val="FFC000"/>
+                  </a:solidFill>
+                </a:rPr>
+                <a:t>?</a:t>
+              </a:r>
+              <a:endParaRPr lang="en-US" sz="1200" dirty="0">
+                <a:solidFill>
+                  <a:srgbClr val="FFC000"/>
+                </a:solidFill>
+              </a:endParaRPr>
+            </a:p>
+          </p:txBody>
+        </p:sp>
+      </p:grpSp>
+    </p:spTree>
+    <p:extLst>
+      <p:ext uri="{BB962C8B-B14F-4D97-AF65-F5344CB8AC3E}">
+        <p14:creationId xmlns:p14="http://schemas.microsoft.com/office/powerpoint/2010/main" val="2652108903"/>
+      </p:ext>
+    </p:extLst>
+  </p:cSld>
+  <p:clrMapOvr>
+    <a:masterClrMapping/>
+  </p:clrMapOvr>
+  <p:timing>
+    <p:tnLst>
+      <p:par>
+        <p:cTn id="1" dur="indefinite" restart="never" nodeType="tmRoot"/>
+      </p:par>
+    </p:tnLst>
+  </p:timing>
+</p:sld>
+</file>
+
+<file path=ppt/slides/slide11.xml><?xml version="1.0" encoding="utf-8"?>
+<p:sld xmlns:a="http://schemas.openxmlformats.org/drawingml/2006/main" xmlns:r="http://schemas.openxmlformats.org/officeDocument/2006/relationships" xmlns:p="http://schemas.openxmlformats.org/presentationml/2006/main">
+  <p:cSld>
+    <p:spTree>
+      <p:nvGrpSpPr>
+        <p:cNvPr id="1" name=""/>
+        <p:cNvGrpSpPr/>
+        <p:nvPr/>
+      </p:nvGrpSpPr>
+      <p:grpSpPr>
+        <a:xfrm>
+          <a:off x="0" y="0"/>
+          <a:ext cx="0" cy="0"/>
+          <a:chOff x="0" y="0"/>
+          <a:chExt cx="0" cy="0"/>
+        </a:xfrm>
+      </p:grpSpPr>
+      <p:grpSp>
+        <p:nvGrpSpPr>
+          <p:cNvPr id="4" name="Group 3"/>
+          <p:cNvGrpSpPr/>
+          <p:nvPr/>
+        </p:nvGrpSpPr>
+        <p:grpSpPr>
+          <a:xfrm>
+            <a:off x="445673" y="700550"/>
+            <a:ext cx="7896625" cy="4417175"/>
+            <a:chOff x="445673" y="700550"/>
+            <a:chExt cx="7896625" cy="4417175"/>
+          </a:xfrm>
+        </p:grpSpPr>
+        <p:pic>
+          <p:nvPicPr>
+            <p:cNvPr id="4098" name="Picture 2"/>
+            <p:cNvPicPr>
+              <a:picLocks noChangeAspect="1" noChangeArrowheads="1"/>
+            </p:cNvPicPr>
+            <p:nvPr/>
+          </p:nvPicPr>
+          <p:blipFill>
+            <a:blip r:embed="rId2">
+              <a:extLst>
+                <a:ext uri="{28A0092B-C50C-407E-A947-70E740481C1C}">
+                  <a14:useLocalDpi xmlns:a14="http://schemas.microsoft.com/office/drawing/2010/main" val="0"/>
+                </a:ext>
+              </a:extLst>
+            </a:blip>
+            <a:srcRect/>
+            <a:stretch>
+              <a:fillRect/>
+            </a:stretch>
+          </p:blipFill>
+          <p:spPr bwMode="auto">
+            <a:xfrm>
+              <a:off x="445673" y="700550"/>
+              <a:ext cx="7896625" cy="4417175"/>
+            </a:xfrm>
+            <a:prstGeom prst="rect">
+              <a:avLst/>
+            </a:prstGeom>
+            <a:noFill/>
+            <a:ln>
+              <a:noFill/>
+            </a:ln>
+            <a:extLst>
+              <a:ext uri="{909E8E84-426E-40DD-AFC4-6F175D3DCCD1}">
+                <a14:hiddenFill xmlns:a14="http://schemas.microsoft.com/office/drawing/2010/main">
+                  <a:solidFill>
+                    <a:schemeClr val="accent1"/>
+                  </a:solidFill>
+                </a14:hiddenFill>
+              </a:ext>
+              <a:ext uri="{91240B29-F687-4F45-9708-019B960494DF}">
+                <a14:hiddenLine xmlns:a14="http://schemas.microsoft.com/office/drawing/2010/main" w="9525">
+                  <a:solidFill>
+                    <a:schemeClr val="tx1"/>
+                  </a:solidFill>
+                  <a:miter lim="800000"/>
+                  <a:headEnd/>
+                  <a:tailEnd/>
+                </a14:hiddenLine>
+              </a:ext>
+            </a:extLst>
+          </p:spPr>
+        </p:pic>
+        <p:sp>
+          <p:nvSpPr>
+            <p:cNvPr id="5" name="Rectangle 4"/>
+            <p:cNvSpPr/>
+            <p:nvPr/>
+          </p:nvSpPr>
+          <p:spPr>
+            <a:xfrm>
+              <a:off x="3778506" y="3733391"/>
+              <a:ext cx="4466207" cy="566556"/>
+            </a:xfrm>
+            <a:prstGeom prst="rect">
+              <a:avLst/>
+            </a:prstGeom>
+            <a:solidFill>
+              <a:schemeClr val="tx1"/>
+            </a:solidFill>
+            <a:ln>
+              <a:solidFill>
+                <a:srgbClr val="FFC000"/>
+              </a:solidFill>
+              <a:prstDash val="sysDash"/>
+            </a:ln>
+          </p:spPr>
+          <p:style>
+            <a:lnRef idx="1">
+              <a:schemeClr val="accent1"/>
+            </a:lnRef>
+            <a:fillRef idx="3">
+              <a:schemeClr val="accent1"/>
+            </a:fillRef>
+            <a:effectRef idx="2">
+              <a:schemeClr val="accent1"/>
+            </a:effectRef>
+            <a:fontRef idx="minor">
+              <a:schemeClr val="lt1"/>
+            </a:fontRef>
+          </p:style>
+          <p:txBody>
+            <a:bodyPr rtlCol="0" anchor="ctr"/>
+            <a:lstStyle/>
+            <a:p>
+              <a:r>
+                <a:rPr lang="en-US" sz="1200" dirty="0" smtClean="0">
+                  <a:solidFill>
+                    <a:srgbClr val="FFC000"/>
+                  </a:solidFill>
+                </a:rPr>
+                <a:t>Write the </a:t>
+              </a:r>
+              <a:r>
+                <a:rPr lang="en-US" sz="1200" dirty="0" err="1" smtClean="0">
+                  <a:solidFill>
+                    <a:srgbClr val="FFC000"/>
+                  </a:solidFill>
+                </a:rPr>
+                <a:t>trignometry</a:t>
+              </a:r>
+              <a:r>
+                <a:rPr lang="en-US" sz="1200" dirty="0" smtClean="0">
+                  <a:solidFill>
+                    <a:srgbClr val="FFC000"/>
+                  </a:solidFill>
+                </a:rPr>
+                <a:t> functions for angle x:</a:t>
+              </a:r>
+              <a:endParaRPr lang="en-US" sz="1200" dirty="0">
+                <a:solidFill>
+                  <a:srgbClr val="FFC000"/>
+                </a:solidFill>
+              </a:endParaRPr>
+            </a:p>
+          </p:txBody>
+        </p:sp>
+      </p:grpSp>
+    </p:spTree>
+    <p:extLst>
+      <p:ext uri="{BB962C8B-B14F-4D97-AF65-F5344CB8AC3E}">
+        <p14:creationId xmlns:p14="http://schemas.microsoft.com/office/powerpoint/2010/main" val="3201558850"/>
+      </p:ext>
+    </p:extLst>
+  </p:cSld>
+  <p:clrMapOvr>
+    <a:masterClrMapping/>
+  </p:clrMapOvr>
+  <p:timing>
+    <p:tnLst>
+      <p:par>
+        <p:cTn id="1" dur="indefinite" restart="never" nodeType="tmRoot"/>
+      </p:par>
+    </p:tnLst>
+  </p:timing>
 </p:sld>
 </file>
 
@@ -4467,6 +4843,859 @@
   <p:clrMapOvr>
     <a:masterClrMapping/>
   </p:clrMapOvr>
+  <p:timing>
+    <p:tnLst>
+      <p:par>
+        <p:cTn id="1" dur="indefinite" restart="never" nodeType="tmRoot"/>
+      </p:par>
+    </p:tnLst>
+  </p:timing>
+</p:sld>
+</file>
+
+<file path=ppt/slides/slide3.xml><?xml version="1.0" encoding="utf-8"?>
+<p:sld xmlns:a="http://schemas.openxmlformats.org/drawingml/2006/main" xmlns:r="http://schemas.openxmlformats.org/officeDocument/2006/relationships" xmlns:p="http://schemas.openxmlformats.org/presentationml/2006/main">
+  <p:cSld>
+    <p:spTree>
+      <p:nvGrpSpPr>
+        <p:cNvPr id="1" name=""/>
+        <p:cNvGrpSpPr/>
+        <p:nvPr/>
+      </p:nvGrpSpPr>
+      <p:grpSpPr>
+        <a:xfrm>
+          <a:off x="0" y="0"/>
+          <a:ext cx="0" cy="0"/>
+          <a:chOff x="0" y="0"/>
+          <a:chExt cx="0" cy="0"/>
+        </a:xfrm>
+      </p:grpSpPr>
+      <p:pic>
+        <p:nvPicPr>
+          <p:cNvPr id="1026" name="Picture 2"/>
+          <p:cNvPicPr>
+            <a:picLocks noChangeAspect="1" noChangeArrowheads="1"/>
+          </p:cNvPicPr>
+          <p:nvPr/>
+        </p:nvPicPr>
+        <p:blipFill>
+          <a:blip r:embed="rId2">
+            <a:extLst>
+              <a:ext uri="{28A0092B-C50C-407E-A947-70E740481C1C}">
+                <a14:useLocalDpi xmlns:a14="http://schemas.microsoft.com/office/drawing/2010/main" val="0"/>
+              </a:ext>
+            </a:extLst>
+          </a:blip>
+          <a:srcRect/>
+          <a:stretch>
+            <a:fillRect/>
+          </a:stretch>
+        </p:blipFill>
+        <p:spPr bwMode="auto">
+          <a:xfrm>
+            <a:off x="790575" y="904875"/>
+            <a:ext cx="7562850" cy="5048250"/>
+          </a:xfrm>
+          <a:prstGeom prst="rect">
+            <a:avLst/>
+          </a:prstGeom>
+          <a:noFill/>
+          <a:ln>
+            <a:noFill/>
+          </a:ln>
+          <a:extLst>
+            <a:ext uri="{909E8E84-426E-40DD-AFC4-6F175D3DCCD1}">
+              <a14:hiddenFill xmlns:a14="http://schemas.microsoft.com/office/drawing/2010/main">
+                <a:solidFill>
+                  <a:schemeClr val="accent1"/>
+                </a:solidFill>
+              </a14:hiddenFill>
+            </a:ext>
+            <a:ext uri="{91240B29-F687-4F45-9708-019B960494DF}">
+              <a14:hiddenLine xmlns:a14="http://schemas.microsoft.com/office/drawing/2010/main" w="9525">
+                <a:solidFill>
+                  <a:schemeClr val="tx1"/>
+                </a:solidFill>
+                <a:miter lim="800000"/>
+                <a:headEnd/>
+                <a:tailEnd/>
+              </a14:hiddenLine>
+            </a:ext>
+          </a:extLst>
+        </p:spPr>
+      </p:pic>
+    </p:spTree>
+    <p:extLst>
+      <p:ext uri="{BB962C8B-B14F-4D97-AF65-F5344CB8AC3E}">
+        <p14:creationId xmlns:p14="http://schemas.microsoft.com/office/powerpoint/2010/main" val="3089644418"/>
+      </p:ext>
+    </p:extLst>
+  </p:cSld>
+  <p:clrMapOvr>
+    <a:masterClrMapping/>
+  </p:clrMapOvr>
+  <p:timing>
+    <p:tnLst>
+      <p:par>
+        <p:cTn id="1" dur="indefinite" restart="never" nodeType="tmRoot"/>
+      </p:par>
+    </p:tnLst>
+  </p:timing>
+</p:sld>
+</file>
+
+<file path=ppt/slides/slide4.xml><?xml version="1.0" encoding="utf-8"?>
+<p:sld xmlns:a="http://schemas.openxmlformats.org/drawingml/2006/main" xmlns:r="http://schemas.openxmlformats.org/officeDocument/2006/relationships" xmlns:p="http://schemas.openxmlformats.org/presentationml/2006/main">
+  <p:cSld>
+    <p:spTree>
+      <p:nvGrpSpPr>
+        <p:cNvPr id="1" name=""/>
+        <p:cNvGrpSpPr/>
+        <p:nvPr/>
+      </p:nvGrpSpPr>
+      <p:grpSpPr>
+        <a:xfrm>
+          <a:off x="0" y="0"/>
+          <a:ext cx="0" cy="0"/>
+          <a:chOff x="0" y="0"/>
+          <a:chExt cx="0" cy="0"/>
+        </a:xfrm>
+      </p:grpSpPr>
+      <p:pic>
+        <p:nvPicPr>
+          <p:cNvPr id="2050" name="Picture 2"/>
+          <p:cNvPicPr>
+            <a:picLocks noChangeAspect="1" noChangeArrowheads="1"/>
+          </p:cNvPicPr>
+          <p:nvPr/>
+        </p:nvPicPr>
+        <p:blipFill>
+          <a:blip r:embed="rId2">
+            <a:extLst>
+              <a:ext uri="{28A0092B-C50C-407E-A947-70E740481C1C}">
+                <a14:useLocalDpi xmlns:a14="http://schemas.microsoft.com/office/drawing/2010/main" val="0"/>
+              </a:ext>
+            </a:extLst>
+          </a:blip>
+          <a:srcRect/>
+          <a:stretch>
+            <a:fillRect/>
+          </a:stretch>
+        </p:blipFill>
+        <p:spPr bwMode="auto">
+          <a:xfrm>
+            <a:off x="814388" y="1219200"/>
+            <a:ext cx="7515225" cy="4419600"/>
+          </a:xfrm>
+          <a:prstGeom prst="rect">
+            <a:avLst/>
+          </a:prstGeom>
+          <a:noFill/>
+          <a:ln>
+            <a:noFill/>
+          </a:ln>
+          <a:extLst>
+            <a:ext uri="{909E8E84-426E-40DD-AFC4-6F175D3DCCD1}">
+              <a14:hiddenFill xmlns:a14="http://schemas.microsoft.com/office/drawing/2010/main">
+                <a:solidFill>
+                  <a:schemeClr val="accent1"/>
+                </a:solidFill>
+              </a14:hiddenFill>
+            </a:ext>
+            <a:ext uri="{91240B29-F687-4F45-9708-019B960494DF}">
+              <a14:hiddenLine xmlns:a14="http://schemas.microsoft.com/office/drawing/2010/main" w="9525">
+                <a:solidFill>
+                  <a:schemeClr val="tx1"/>
+                </a:solidFill>
+                <a:miter lim="800000"/>
+                <a:headEnd/>
+                <a:tailEnd/>
+              </a14:hiddenLine>
+            </a:ext>
+          </a:extLst>
+        </p:spPr>
+      </p:pic>
+    </p:spTree>
+    <p:extLst>
+      <p:ext uri="{BB962C8B-B14F-4D97-AF65-F5344CB8AC3E}">
+        <p14:creationId xmlns:p14="http://schemas.microsoft.com/office/powerpoint/2010/main" val="2870870367"/>
+      </p:ext>
+    </p:extLst>
+  </p:cSld>
+  <p:clrMapOvr>
+    <a:masterClrMapping/>
+  </p:clrMapOvr>
+  <p:timing>
+    <p:tnLst>
+      <p:par>
+        <p:cTn id="1" dur="indefinite" restart="never" nodeType="tmRoot"/>
+      </p:par>
+    </p:tnLst>
+  </p:timing>
+</p:sld>
+</file>
+
+<file path=ppt/slides/slide5.xml><?xml version="1.0" encoding="utf-8"?>
+<p:sld xmlns:a="http://schemas.openxmlformats.org/drawingml/2006/main" xmlns:r="http://schemas.openxmlformats.org/officeDocument/2006/relationships" xmlns:p="http://schemas.openxmlformats.org/presentationml/2006/main">
+  <p:cSld>
+    <p:spTree>
+      <p:nvGrpSpPr>
+        <p:cNvPr id="1" name=""/>
+        <p:cNvGrpSpPr/>
+        <p:nvPr/>
+      </p:nvGrpSpPr>
+      <p:grpSpPr>
+        <a:xfrm>
+          <a:off x="0" y="0"/>
+          <a:ext cx="0" cy="0"/>
+          <a:chOff x="0" y="0"/>
+          <a:chExt cx="0" cy="0"/>
+        </a:xfrm>
+      </p:grpSpPr>
+      <p:pic>
+        <p:nvPicPr>
+          <p:cNvPr id="3074" name="Picture 2"/>
+          <p:cNvPicPr>
+            <a:picLocks noChangeAspect="1" noChangeArrowheads="1"/>
+          </p:cNvPicPr>
+          <p:nvPr/>
+        </p:nvPicPr>
+        <p:blipFill>
+          <a:blip r:embed="rId2">
+            <a:extLst>
+              <a:ext uri="{28A0092B-C50C-407E-A947-70E740481C1C}">
+                <a14:useLocalDpi xmlns:a14="http://schemas.microsoft.com/office/drawing/2010/main" val="0"/>
+              </a:ext>
+            </a:extLst>
+          </a:blip>
+          <a:srcRect/>
+          <a:stretch>
+            <a:fillRect/>
+          </a:stretch>
+        </p:blipFill>
+        <p:spPr bwMode="auto">
+          <a:xfrm>
+            <a:off x="795338" y="976313"/>
+            <a:ext cx="7553325" cy="4905375"/>
+          </a:xfrm>
+          <a:prstGeom prst="rect">
+            <a:avLst/>
+          </a:prstGeom>
+          <a:noFill/>
+          <a:ln>
+            <a:noFill/>
+          </a:ln>
+          <a:extLst>
+            <a:ext uri="{909E8E84-426E-40DD-AFC4-6F175D3DCCD1}">
+              <a14:hiddenFill xmlns:a14="http://schemas.microsoft.com/office/drawing/2010/main">
+                <a:solidFill>
+                  <a:schemeClr val="accent1"/>
+                </a:solidFill>
+              </a14:hiddenFill>
+            </a:ext>
+            <a:ext uri="{91240B29-F687-4F45-9708-019B960494DF}">
+              <a14:hiddenLine xmlns:a14="http://schemas.microsoft.com/office/drawing/2010/main" w="9525">
+                <a:solidFill>
+                  <a:schemeClr val="tx1"/>
+                </a:solidFill>
+                <a:miter lim="800000"/>
+                <a:headEnd/>
+                <a:tailEnd/>
+              </a14:hiddenLine>
+            </a:ext>
+          </a:extLst>
+        </p:spPr>
+      </p:pic>
+    </p:spTree>
+    <p:extLst>
+      <p:ext uri="{BB962C8B-B14F-4D97-AF65-F5344CB8AC3E}">
+        <p14:creationId xmlns:p14="http://schemas.microsoft.com/office/powerpoint/2010/main" val="2689356709"/>
+      </p:ext>
+    </p:extLst>
+  </p:cSld>
+  <p:clrMapOvr>
+    <a:masterClrMapping/>
+  </p:clrMapOvr>
+  <p:timing>
+    <p:tnLst>
+      <p:par>
+        <p:cTn id="1" dur="indefinite" restart="never" nodeType="tmRoot"/>
+      </p:par>
+    </p:tnLst>
+  </p:timing>
+</p:sld>
+</file>
+
+<file path=ppt/slides/slide6.xml><?xml version="1.0" encoding="utf-8"?>
+<p:sld xmlns:a="http://schemas.openxmlformats.org/drawingml/2006/main" xmlns:r="http://schemas.openxmlformats.org/officeDocument/2006/relationships" xmlns:p="http://schemas.openxmlformats.org/presentationml/2006/main">
+  <p:cSld>
+    <p:spTree>
+      <p:nvGrpSpPr>
+        <p:cNvPr id="1" name=""/>
+        <p:cNvGrpSpPr/>
+        <p:nvPr/>
+      </p:nvGrpSpPr>
+      <p:grpSpPr>
+        <a:xfrm>
+          <a:off x="0" y="0"/>
+          <a:ext cx="0" cy="0"/>
+          <a:chOff x="0" y="0"/>
+          <a:chExt cx="0" cy="0"/>
+        </a:xfrm>
+      </p:grpSpPr>
+      <p:sp>
+        <p:nvSpPr>
+          <p:cNvPr id="2" name="Title 1"/>
+          <p:cNvSpPr>
+            <a:spLocks noGrp="1"/>
+          </p:cNvSpPr>
+          <p:nvPr>
+            <p:ph type="title"/>
+          </p:nvPr>
+        </p:nvSpPr>
+        <p:spPr/>
+        <p:txBody>
+          <a:bodyPr/>
+          <a:lstStyle/>
+          <a:p>
+            <a:endParaRPr lang="en-US"/>
+          </a:p>
+        </p:txBody>
+      </p:sp>
+      <p:sp>
+        <p:nvSpPr>
+          <p:cNvPr id="3" name="Content Placeholder 2"/>
+          <p:cNvSpPr>
+            <a:spLocks noGrp="1"/>
+          </p:cNvSpPr>
+          <p:nvPr>
+            <p:ph idx="1"/>
+          </p:nvPr>
+        </p:nvSpPr>
+        <p:spPr/>
+        <p:txBody>
+          <a:bodyPr/>
+          <a:lstStyle/>
+          <a:p>
+            <a:endParaRPr lang="en-US"/>
+          </a:p>
+        </p:txBody>
+      </p:sp>
+      <p:pic>
+        <p:nvPicPr>
+          <p:cNvPr id="4098" name="Picture 2"/>
+          <p:cNvPicPr>
+            <a:picLocks noChangeAspect="1" noChangeArrowheads="1"/>
+          </p:cNvPicPr>
+          <p:nvPr/>
+        </p:nvPicPr>
+        <p:blipFill>
+          <a:blip r:embed="rId2">
+            <a:extLst>
+              <a:ext uri="{28A0092B-C50C-407E-A947-70E740481C1C}">
+                <a14:useLocalDpi xmlns:a14="http://schemas.microsoft.com/office/drawing/2010/main" val="0"/>
+              </a:ext>
+            </a:extLst>
+          </a:blip>
+          <a:srcRect/>
+          <a:stretch>
+            <a:fillRect/>
+          </a:stretch>
+        </p:blipFill>
+        <p:spPr bwMode="auto">
+          <a:xfrm>
+            <a:off x="752475" y="700088"/>
+            <a:ext cx="7639050" cy="5457825"/>
+          </a:xfrm>
+          <a:prstGeom prst="rect">
+            <a:avLst/>
+          </a:prstGeom>
+          <a:noFill/>
+          <a:ln>
+            <a:noFill/>
+          </a:ln>
+          <a:extLst>
+            <a:ext uri="{909E8E84-426E-40DD-AFC4-6F175D3DCCD1}">
+              <a14:hiddenFill xmlns:a14="http://schemas.microsoft.com/office/drawing/2010/main">
+                <a:solidFill>
+                  <a:schemeClr val="accent1"/>
+                </a:solidFill>
+              </a14:hiddenFill>
+            </a:ext>
+            <a:ext uri="{91240B29-F687-4F45-9708-019B960494DF}">
+              <a14:hiddenLine xmlns:a14="http://schemas.microsoft.com/office/drawing/2010/main" w="9525">
+                <a:solidFill>
+                  <a:schemeClr val="tx1"/>
+                </a:solidFill>
+                <a:miter lim="800000"/>
+                <a:headEnd/>
+                <a:tailEnd/>
+              </a14:hiddenLine>
+            </a:ext>
+          </a:extLst>
+        </p:spPr>
+      </p:pic>
+    </p:spTree>
+    <p:extLst>
+      <p:ext uri="{BB962C8B-B14F-4D97-AF65-F5344CB8AC3E}">
+        <p14:creationId xmlns:p14="http://schemas.microsoft.com/office/powerpoint/2010/main" val="970082895"/>
+      </p:ext>
+    </p:extLst>
+  </p:cSld>
+  <p:clrMapOvr>
+    <a:masterClrMapping/>
+  </p:clrMapOvr>
+  <p:timing>
+    <p:tnLst>
+      <p:par>
+        <p:cTn id="1" dur="indefinite" restart="never" nodeType="tmRoot"/>
+      </p:par>
+    </p:tnLst>
+  </p:timing>
+</p:sld>
+</file>
+
+<file path=ppt/slides/slide7.xml><?xml version="1.0" encoding="utf-8"?>
+<p:sld xmlns:a="http://schemas.openxmlformats.org/drawingml/2006/main" xmlns:r="http://schemas.openxmlformats.org/officeDocument/2006/relationships" xmlns:p="http://schemas.openxmlformats.org/presentationml/2006/main">
+  <p:cSld>
+    <p:spTree>
+      <p:nvGrpSpPr>
+        <p:cNvPr id="1" name=""/>
+        <p:cNvGrpSpPr/>
+        <p:nvPr/>
+      </p:nvGrpSpPr>
+      <p:grpSpPr>
+        <a:xfrm>
+          <a:off x="0" y="0"/>
+          <a:ext cx="0" cy="0"/>
+          <a:chOff x="0" y="0"/>
+          <a:chExt cx="0" cy="0"/>
+        </a:xfrm>
+      </p:grpSpPr>
+      <p:sp>
+        <p:nvSpPr>
+          <p:cNvPr id="2" name="Title 1"/>
+          <p:cNvSpPr>
+            <a:spLocks noGrp="1"/>
+          </p:cNvSpPr>
+          <p:nvPr>
+            <p:ph type="title"/>
+          </p:nvPr>
+        </p:nvSpPr>
+        <p:spPr/>
+        <p:txBody>
+          <a:bodyPr/>
+          <a:lstStyle/>
+          <a:p>
+            <a:endParaRPr lang="en-US"/>
+          </a:p>
+        </p:txBody>
+      </p:sp>
+      <p:sp>
+        <p:nvSpPr>
+          <p:cNvPr id="3" name="Content Placeholder 2"/>
+          <p:cNvSpPr>
+            <a:spLocks noGrp="1"/>
+          </p:cNvSpPr>
+          <p:nvPr>
+            <p:ph idx="1"/>
+          </p:nvPr>
+        </p:nvSpPr>
+        <p:spPr/>
+        <p:txBody>
+          <a:bodyPr/>
+          <a:lstStyle/>
+          <a:p>
+            <a:endParaRPr lang="en-US"/>
+          </a:p>
+        </p:txBody>
+      </p:sp>
+      <p:pic>
+        <p:nvPicPr>
+          <p:cNvPr id="5122" name="Picture 2"/>
+          <p:cNvPicPr>
+            <a:picLocks noChangeAspect="1" noChangeArrowheads="1"/>
+          </p:cNvPicPr>
+          <p:nvPr/>
+        </p:nvPicPr>
+        <p:blipFill>
+          <a:blip r:embed="rId2">
+            <a:extLst>
+              <a:ext uri="{28A0092B-C50C-407E-A947-70E740481C1C}">
+                <a14:useLocalDpi xmlns:a14="http://schemas.microsoft.com/office/drawing/2010/main" val="0"/>
+              </a:ext>
+            </a:extLst>
+          </a:blip>
+          <a:srcRect/>
+          <a:stretch>
+            <a:fillRect/>
+          </a:stretch>
+        </p:blipFill>
+        <p:spPr bwMode="auto">
+          <a:xfrm>
+            <a:off x="857250" y="895350"/>
+            <a:ext cx="7429500" cy="5067300"/>
+          </a:xfrm>
+          <a:prstGeom prst="rect">
+            <a:avLst/>
+          </a:prstGeom>
+          <a:noFill/>
+          <a:ln>
+            <a:noFill/>
+          </a:ln>
+          <a:extLst>
+            <a:ext uri="{909E8E84-426E-40DD-AFC4-6F175D3DCCD1}">
+              <a14:hiddenFill xmlns:a14="http://schemas.microsoft.com/office/drawing/2010/main">
+                <a:solidFill>
+                  <a:schemeClr val="accent1"/>
+                </a:solidFill>
+              </a14:hiddenFill>
+            </a:ext>
+            <a:ext uri="{91240B29-F687-4F45-9708-019B960494DF}">
+              <a14:hiddenLine xmlns:a14="http://schemas.microsoft.com/office/drawing/2010/main" w="9525">
+                <a:solidFill>
+                  <a:schemeClr val="tx1"/>
+                </a:solidFill>
+                <a:miter lim="800000"/>
+                <a:headEnd/>
+                <a:tailEnd/>
+              </a14:hiddenLine>
+            </a:ext>
+          </a:extLst>
+        </p:spPr>
+      </p:pic>
+    </p:spTree>
+    <p:extLst>
+      <p:ext uri="{BB962C8B-B14F-4D97-AF65-F5344CB8AC3E}">
+        <p14:creationId xmlns:p14="http://schemas.microsoft.com/office/powerpoint/2010/main" val="2493344350"/>
+      </p:ext>
+    </p:extLst>
+  </p:cSld>
+  <p:clrMapOvr>
+    <a:masterClrMapping/>
+  </p:clrMapOvr>
+  <p:timing>
+    <p:tnLst>
+      <p:par>
+        <p:cTn id="1" dur="indefinite" restart="never" nodeType="tmRoot"/>
+      </p:par>
+    </p:tnLst>
+  </p:timing>
+</p:sld>
+</file>
+
+<file path=ppt/slides/slide8.xml><?xml version="1.0" encoding="utf-8"?>
+<p:sld xmlns:a="http://schemas.openxmlformats.org/drawingml/2006/main" xmlns:r="http://schemas.openxmlformats.org/officeDocument/2006/relationships" xmlns:p="http://schemas.openxmlformats.org/presentationml/2006/main">
+  <p:cSld>
+    <p:spTree>
+      <p:nvGrpSpPr>
+        <p:cNvPr id="1" name=""/>
+        <p:cNvGrpSpPr/>
+        <p:nvPr/>
+      </p:nvGrpSpPr>
+      <p:grpSpPr>
+        <a:xfrm>
+          <a:off x="0" y="0"/>
+          <a:ext cx="0" cy="0"/>
+          <a:chOff x="0" y="0"/>
+          <a:chExt cx="0" cy="0"/>
+        </a:xfrm>
+      </p:grpSpPr>
+      <p:grpSp>
+        <p:nvGrpSpPr>
+          <p:cNvPr id="5" name="Group 4"/>
+          <p:cNvGrpSpPr/>
+          <p:nvPr/>
+        </p:nvGrpSpPr>
+        <p:grpSpPr>
+          <a:xfrm>
+            <a:off x="524927" y="782615"/>
+            <a:ext cx="8052467" cy="4502319"/>
+            <a:chOff x="524927" y="782615"/>
+            <a:chExt cx="8052467" cy="4502319"/>
+          </a:xfrm>
+        </p:grpSpPr>
+        <p:pic>
+          <p:nvPicPr>
+            <p:cNvPr id="1026" name="Picture 2"/>
+            <p:cNvPicPr>
+              <a:picLocks noChangeAspect="1" noChangeArrowheads="1"/>
+            </p:cNvPicPr>
+            <p:nvPr/>
+          </p:nvPicPr>
+          <p:blipFill>
+            <a:blip r:embed="rId2">
+              <a:extLst>
+                <a:ext uri="{28A0092B-C50C-407E-A947-70E740481C1C}">
+                  <a14:useLocalDpi xmlns:a14="http://schemas.microsoft.com/office/drawing/2010/main" val="0"/>
+                </a:ext>
+              </a:extLst>
+            </a:blip>
+            <a:srcRect/>
+            <a:stretch>
+              <a:fillRect/>
+            </a:stretch>
+          </p:blipFill>
+          <p:spPr bwMode="auto">
+            <a:xfrm>
+              <a:off x="524927" y="782615"/>
+              <a:ext cx="8052467" cy="4502319"/>
+            </a:xfrm>
+            <a:prstGeom prst="rect">
+              <a:avLst/>
+            </a:prstGeom>
+            <a:noFill/>
+            <a:ln>
+              <a:noFill/>
+            </a:ln>
+            <a:extLst>
+              <a:ext uri="{909E8E84-426E-40DD-AFC4-6F175D3DCCD1}">
+                <a14:hiddenFill xmlns:a14="http://schemas.microsoft.com/office/drawing/2010/main">
+                  <a:solidFill>
+                    <a:schemeClr val="accent1"/>
+                  </a:solidFill>
+                </a14:hiddenFill>
+              </a:ext>
+              <a:ext uri="{91240B29-F687-4F45-9708-019B960494DF}">
+                <a14:hiddenLine xmlns:a14="http://schemas.microsoft.com/office/drawing/2010/main" w="9525">
+                  <a:solidFill>
+                    <a:schemeClr val="tx1"/>
+                  </a:solidFill>
+                  <a:miter lim="800000"/>
+                  <a:headEnd/>
+                  <a:tailEnd/>
+                </a14:hiddenLine>
+              </a:ext>
+            </a:extLst>
+          </p:spPr>
+        </p:pic>
+        <p:sp>
+          <p:nvSpPr>
+            <p:cNvPr id="4" name="Rectangle 3"/>
+            <p:cNvSpPr/>
+            <p:nvPr/>
+          </p:nvSpPr>
+          <p:spPr>
+            <a:xfrm>
+              <a:off x="2969911" y="1035312"/>
+              <a:ext cx="294724" cy="355181"/>
+            </a:xfrm>
+            <a:prstGeom prst="rect">
+              <a:avLst/>
+            </a:prstGeom>
+            <a:solidFill>
+              <a:schemeClr val="tx1"/>
+            </a:solidFill>
+            <a:ln>
+              <a:solidFill>
+                <a:srgbClr val="FFC000"/>
+              </a:solidFill>
+              <a:prstDash val="sysDash"/>
+            </a:ln>
+          </p:spPr>
+          <p:style>
+            <a:lnRef idx="1">
+              <a:schemeClr val="accent1"/>
+            </a:lnRef>
+            <a:fillRef idx="3">
+              <a:schemeClr val="accent1"/>
+            </a:fillRef>
+            <a:effectRef idx="2">
+              <a:schemeClr val="accent1"/>
+            </a:effectRef>
+            <a:fontRef idx="minor">
+              <a:schemeClr val="lt1"/>
+            </a:fontRef>
+          </p:style>
+          <p:txBody>
+            <a:bodyPr rtlCol="0" anchor="ctr"/>
+            <a:lstStyle/>
+            <a:p>
+              <a:pPr algn="ctr"/>
+              <a:endParaRPr lang="en-US"/>
+            </a:p>
+          </p:txBody>
+        </p:sp>
+      </p:grpSp>
+    </p:spTree>
+    <p:extLst>
+      <p:ext uri="{BB962C8B-B14F-4D97-AF65-F5344CB8AC3E}">
+        <p14:creationId xmlns:p14="http://schemas.microsoft.com/office/powerpoint/2010/main" val="1144801022"/>
+      </p:ext>
+    </p:extLst>
+  </p:cSld>
+  <p:clrMapOvr>
+    <a:masterClrMapping/>
+  </p:clrMapOvr>
+  <p:timing>
+    <p:tnLst>
+      <p:par>
+        <p:cTn id="1" dur="indefinite" restart="never" nodeType="tmRoot"/>
+      </p:par>
+    </p:tnLst>
+  </p:timing>
+</p:sld>
+</file>
+
+<file path=ppt/slides/slide9.xml><?xml version="1.0" encoding="utf-8"?>
+<p:sld xmlns:a="http://schemas.openxmlformats.org/drawingml/2006/main" xmlns:r="http://schemas.openxmlformats.org/officeDocument/2006/relationships" xmlns:p="http://schemas.openxmlformats.org/presentationml/2006/main">
+  <p:cSld>
+    <p:spTree>
+      <p:nvGrpSpPr>
+        <p:cNvPr id="1" name=""/>
+        <p:cNvGrpSpPr/>
+        <p:nvPr/>
+      </p:nvGrpSpPr>
+      <p:grpSpPr>
+        <a:xfrm>
+          <a:off x="0" y="0"/>
+          <a:ext cx="0" cy="0"/>
+          <a:chOff x="0" y="0"/>
+          <a:chExt cx="0" cy="0"/>
+        </a:xfrm>
+      </p:grpSpPr>
+      <p:grpSp>
+        <p:nvGrpSpPr>
+          <p:cNvPr id="5" name="Group 4"/>
+          <p:cNvGrpSpPr/>
+          <p:nvPr/>
+        </p:nvGrpSpPr>
+        <p:grpSpPr>
+          <a:xfrm>
+            <a:off x="526643" y="869504"/>
+            <a:ext cx="8035466" cy="4427970"/>
+            <a:chOff x="526643" y="869504"/>
+            <a:chExt cx="8035466" cy="4427970"/>
+          </a:xfrm>
+        </p:grpSpPr>
+        <p:pic>
+          <p:nvPicPr>
+            <p:cNvPr id="2051" name="Picture 3"/>
+            <p:cNvPicPr>
+              <a:picLocks noChangeAspect="1" noChangeArrowheads="1"/>
+            </p:cNvPicPr>
+            <p:nvPr/>
+          </p:nvPicPr>
+          <p:blipFill rotWithShape="1">
+            <a:blip r:embed="rId2">
+              <a:extLst>
+                <a:ext uri="{28A0092B-C50C-407E-A947-70E740481C1C}">
+                  <a14:useLocalDpi xmlns:a14="http://schemas.microsoft.com/office/drawing/2010/main" val="0"/>
+                </a:ext>
+              </a:extLst>
+            </a:blip>
+            <a:srcRect t="-1" b="1367"/>
+            <a:stretch/>
+          </p:blipFill>
+          <p:spPr bwMode="auto">
+            <a:xfrm>
+              <a:off x="526643" y="869504"/>
+              <a:ext cx="8035466" cy="4427970"/>
+            </a:xfrm>
+            <a:prstGeom prst="rect">
+              <a:avLst/>
+            </a:prstGeom>
+            <a:noFill/>
+            <a:ln>
+              <a:noFill/>
+            </a:ln>
+            <a:extLst>
+              <a:ext uri="{909E8E84-426E-40DD-AFC4-6F175D3DCCD1}">
+                <a14:hiddenFill xmlns:a14="http://schemas.microsoft.com/office/drawing/2010/main">
+                  <a:solidFill>
+                    <a:schemeClr val="accent1"/>
+                  </a:solidFill>
+                </a14:hiddenFill>
+              </a:ext>
+              <a:ext uri="{91240B29-F687-4F45-9708-019B960494DF}">
+                <a14:hiddenLine xmlns:a14="http://schemas.microsoft.com/office/drawing/2010/main" w="9525">
+                  <a:solidFill>
+                    <a:schemeClr val="tx1"/>
+                  </a:solidFill>
+                  <a:miter lim="800000"/>
+                  <a:headEnd/>
+                  <a:tailEnd/>
+                </a14:hiddenLine>
+              </a:ext>
+            </a:extLst>
+          </p:spPr>
+        </p:pic>
+        <p:sp>
+          <p:nvSpPr>
+            <p:cNvPr id="7" name="Rectangle 6"/>
+            <p:cNvSpPr/>
+            <p:nvPr/>
+          </p:nvSpPr>
+          <p:spPr>
+            <a:xfrm>
+              <a:off x="763257" y="2025503"/>
+              <a:ext cx="1095769" cy="1208903"/>
+            </a:xfrm>
+            <a:prstGeom prst="rect">
+              <a:avLst/>
+            </a:prstGeom>
+            <a:solidFill>
+              <a:schemeClr val="tx1"/>
+            </a:solidFill>
+            <a:ln>
+              <a:solidFill>
+                <a:srgbClr val="FFC000"/>
+              </a:solidFill>
+              <a:prstDash val="sysDash"/>
+            </a:ln>
+          </p:spPr>
+          <p:style>
+            <a:lnRef idx="1">
+              <a:schemeClr val="accent1"/>
+            </a:lnRef>
+            <a:fillRef idx="3">
+              <a:schemeClr val="accent1"/>
+            </a:fillRef>
+            <a:effectRef idx="2">
+              <a:schemeClr val="accent1"/>
+            </a:effectRef>
+            <a:fontRef idx="minor">
+              <a:schemeClr val="lt1"/>
+            </a:fontRef>
+          </p:style>
+          <p:txBody>
+            <a:bodyPr rtlCol="0" anchor="ctr"/>
+            <a:lstStyle/>
+            <a:p>
+              <a:r>
+                <a:rPr lang="en-US" sz="1200" dirty="0" smtClean="0">
+                  <a:solidFill>
+                    <a:srgbClr val="FFC000"/>
+                  </a:solidFill>
+                </a:rPr>
+                <a:t>What are the possible outcomes when you flip a coin twice? </a:t>
+              </a:r>
+              <a:endParaRPr lang="en-US" sz="1200" dirty="0">
+                <a:solidFill>
+                  <a:srgbClr val="FFC000"/>
+                </a:solidFill>
+              </a:endParaRPr>
+            </a:p>
+          </p:txBody>
+        </p:sp>
+      </p:grpSp>
+    </p:spTree>
+    <p:extLst>
+      <p:ext uri="{BB962C8B-B14F-4D97-AF65-F5344CB8AC3E}">
+        <p14:creationId xmlns:p14="http://schemas.microsoft.com/office/powerpoint/2010/main" val="3375399223"/>
+      </p:ext>
+    </p:extLst>
+  </p:cSld>
+  <p:clrMapOvr>
+    <a:masterClrMapping/>
+  </p:clrMapOvr>
+  <p:timing>
+    <p:tnLst>
+      <p:par>
+        <p:cTn id="1" dur="indefinite" restart="never" nodeType="tmRoot"/>
+      </p:par>
+    </p:tnLst>
+  </p:timing>
 </p:sld>
 </file>
 

--- a/Mainpage/quiz.pptx
+++ b/Mainpage/quiz.pptx
@@ -16,6 +16,9 @@
     <p:sldId id="264" r:id="rId10"/>
     <p:sldId id="265" r:id="rId11"/>
     <p:sldId id="266" r:id="rId12"/>
+    <p:sldId id="267" r:id="rId13"/>
+    <p:sldId id="268" r:id="rId14"/>
+    <p:sldId id="269" r:id="rId15"/>
   </p:sldIdLst>
   <p:sldSz cx="9144000" cy="6858000" type="screen4x3"/>
   <p:notesSz cx="6858000" cy="9144000"/>
@@ -298,7 +301,7 @@
           <a:p>
             <a:fld id="{D4E7A746-3143-A542-8C5A-DC20B395A596}" type="datetimeFigureOut">
               <a:rPr lang="en-US" smtClean="0"/>
-              <a:t>7/13/2015</a:t>
+              <a:t>7/16/15</a:t>
             </a:fld>
             <a:endParaRPr lang="en-US"/>
           </a:p>
@@ -468,7 +471,7 @@
           <a:p>
             <a:fld id="{D4E7A746-3143-A542-8C5A-DC20B395A596}" type="datetimeFigureOut">
               <a:rPr lang="en-US" smtClean="0"/>
-              <a:t>7/13/2015</a:t>
+              <a:t>7/16/15</a:t>
             </a:fld>
             <a:endParaRPr lang="en-US"/>
           </a:p>
@@ -648,7 +651,7 @@
           <a:p>
             <a:fld id="{D4E7A746-3143-A542-8C5A-DC20B395A596}" type="datetimeFigureOut">
               <a:rPr lang="en-US" smtClean="0"/>
-              <a:t>7/13/2015</a:t>
+              <a:t>7/16/15</a:t>
             </a:fld>
             <a:endParaRPr lang="en-US"/>
           </a:p>
@@ -818,7 +821,7 @@
           <a:p>
             <a:fld id="{D4E7A746-3143-A542-8C5A-DC20B395A596}" type="datetimeFigureOut">
               <a:rPr lang="en-US" smtClean="0"/>
-              <a:t>7/13/2015</a:t>
+              <a:t>7/16/15</a:t>
             </a:fld>
             <a:endParaRPr lang="en-US"/>
           </a:p>
@@ -1064,7 +1067,7 @@
           <a:p>
             <a:fld id="{D4E7A746-3143-A542-8C5A-DC20B395A596}" type="datetimeFigureOut">
               <a:rPr lang="en-US" smtClean="0"/>
-              <a:t>7/13/2015</a:t>
+              <a:t>7/16/15</a:t>
             </a:fld>
             <a:endParaRPr lang="en-US"/>
           </a:p>
@@ -1352,7 +1355,7 @@
           <a:p>
             <a:fld id="{D4E7A746-3143-A542-8C5A-DC20B395A596}" type="datetimeFigureOut">
               <a:rPr lang="en-US" smtClean="0"/>
-              <a:t>7/13/2015</a:t>
+              <a:t>7/16/15</a:t>
             </a:fld>
             <a:endParaRPr lang="en-US"/>
           </a:p>
@@ -1774,7 +1777,7 @@
           <a:p>
             <a:fld id="{D4E7A746-3143-A542-8C5A-DC20B395A596}" type="datetimeFigureOut">
               <a:rPr lang="en-US" smtClean="0"/>
-              <a:t>7/13/2015</a:t>
+              <a:t>7/16/15</a:t>
             </a:fld>
             <a:endParaRPr lang="en-US"/>
           </a:p>
@@ -1892,7 +1895,7 @@
           <a:p>
             <a:fld id="{D4E7A746-3143-A542-8C5A-DC20B395A596}" type="datetimeFigureOut">
               <a:rPr lang="en-US" smtClean="0"/>
-              <a:t>7/13/2015</a:t>
+              <a:t>7/16/15</a:t>
             </a:fld>
             <a:endParaRPr lang="en-US"/>
           </a:p>
@@ -1987,7 +1990,7 @@
           <a:p>
             <a:fld id="{D4E7A746-3143-A542-8C5A-DC20B395A596}" type="datetimeFigureOut">
               <a:rPr lang="en-US" smtClean="0"/>
-              <a:t>7/13/2015</a:t>
+              <a:t>7/16/15</a:t>
             </a:fld>
             <a:endParaRPr lang="en-US"/>
           </a:p>
@@ -2264,7 +2267,7 @@
           <a:p>
             <a:fld id="{D4E7A746-3143-A542-8C5A-DC20B395A596}" type="datetimeFigureOut">
               <a:rPr lang="en-US" smtClean="0"/>
-              <a:t>7/13/2015</a:t>
+              <a:t>7/16/15</a:t>
             </a:fld>
             <a:endParaRPr lang="en-US"/>
           </a:p>
@@ -2517,7 +2520,7 @@
           <a:p>
             <a:fld id="{D4E7A746-3143-A542-8C5A-DC20B395A596}" type="datetimeFigureOut">
               <a:rPr lang="en-US" smtClean="0"/>
-              <a:t>7/13/2015</a:t>
+              <a:t>7/16/15</a:t>
             </a:fld>
             <a:endParaRPr lang="en-US"/>
           </a:p>
@@ -2730,7 +2733,7 @@
           <a:p>
             <a:fld id="{D4E7A746-3143-A542-8C5A-DC20B395A596}" type="datetimeFigureOut">
               <a:rPr lang="en-US" smtClean="0"/>
-              <a:t>7/13/2015</a:t>
+              <a:t>7/16/15</a:t>
             </a:fld>
             <a:endParaRPr lang="en-US"/>
           </a:p>
@@ -3702,7 +3705,7 @@
   <p:timing>
     <p:tnLst>
       <p:par>
-        <p:cTn id="1" dur="indefinite" restart="never" nodeType="tmRoot"/>
+        <p:cTn xmlns:p14="http://schemas.microsoft.com/office/powerpoint/2010/main" id="1" dur="indefinite" restart="never" nodeType="tmRoot"/>
       </p:par>
     </p:tnLst>
   </p:timing>
@@ -3774,14 +3777,14 @@
               <a:noFill/>
             </a:ln>
             <a:extLst>
-              <a:ext uri="{909E8E84-426E-40DD-AFC4-6F175D3DCCD1}">
+              <a:ext uri="{909E8E84-426E-40dd-AFC4-6F175D3DCCD1}">
                 <a14:hiddenFill xmlns:a14="http://schemas.microsoft.com/office/drawing/2010/main">
                   <a:solidFill>
                     <a:schemeClr val="accent1"/>
                   </a:solidFill>
                 </a14:hiddenFill>
               </a:ext>
-              <a:ext uri="{91240B29-F687-4F45-9708-019B960494DF}">
+              <a:ext uri="{91240B29-F687-4f45-9708-019B960494DF}">
                 <a14:hiddenLine xmlns:a14="http://schemas.microsoft.com/office/drawing/2010/main" w="9525">
                   <a:solidFill>
                     <a:schemeClr val="tx1"/>
@@ -3882,7 +3885,7 @@
   <p:timing>
     <p:tnLst>
       <p:par>
-        <p:cTn id="1" dur="indefinite" restart="never" nodeType="tmRoot"/>
+        <p:cTn xmlns:p14="http://schemas.microsoft.com/office/powerpoint/2010/main" id="1" dur="indefinite" restart="never" nodeType="tmRoot"/>
       </p:par>
     </p:tnLst>
   </p:timing>
@@ -3954,14 +3957,14 @@
               <a:noFill/>
             </a:ln>
             <a:extLst>
-              <a:ext uri="{909E8E84-426E-40DD-AFC4-6F175D3DCCD1}">
+              <a:ext uri="{909E8E84-426E-40dd-AFC4-6F175D3DCCD1}">
                 <a14:hiddenFill xmlns:a14="http://schemas.microsoft.com/office/drawing/2010/main">
                   <a:solidFill>
                     <a:schemeClr val="accent1"/>
                   </a:solidFill>
                 </a14:hiddenFill>
               </a:ext>
-              <a:ext uri="{91240B29-F687-4F45-9708-019B960494DF}">
+              <a:ext uri="{91240B29-F687-4f45-9708-019B960494DF}">
                 <a14:hiddenLine xmlns:a14="http://schemas.microsoft.com/office/drawing/2010/main" w="9525">
                   <a:solidFill>
                     <a:schemeClr val="tx1"/>
@@ -4062,10 +4065,269 @@
   <p:timing>
     <p:tnLst>
       <p:par>
-        <p:cTn id="1" dur="indefinite" restart="never" nodeType="tmRoot"/>
+        <p:cTn xmlns:p14="http://schemas.microsoft.com/office/powerpoint/2010/main" id="1" dur="indefinite" restart="never" nodeType="tmRoot"/>
       </p:par>
     </p:tnLst>
   </p:timing>
+</p:sld>
+</file>
+
+<file path=ppt/slides/slide12.xml><?xml version="1.0" encoding="utf-8"?>
+<p:sld xmlns:a="http://schemas.openxmlformats.org/drawingml/2006/main" xmlns:r="http://schemas.openxmlformats.org/officeDocument/2006/relationships" xmlns:p="http://schemas.openxmlformats.org/presentationml/2006/main">
+  <p:cSld>
+    <p:spTree>
+      <p:nvGrpSpPr>
+        <p:cNvPr id="1" name=""/>
+        <p:cNvGrpSpPr/>
+        <p:nvPr/>
+      </p:nvGrpSpPr>
+      <p:grpSpPr>
+        <a:xfrm>
+          <a:off x="0" y="0"/>
+          <a:ext cx="0" cy="0"/>
+          <a:chOff x="0" y="0"/>
+          <a:chExt cx="0" cy="0"/>
+        </a:xfrm>
+      </p:grpSpPr>
+      <p:pic>
+        <p:nvPicPr>
+          <p:cNvPr id="5" name="Picture 4" descr="Screen Shot 2015-07-16 at 10.37.31 AM.png"/>
+          <p:cNvPicPr>
+            <a:picLocks noChangeAspect="1"/>
+          </p:cNvPicPr>
+          <p:nvPr/>
+        </p:nvPicPr>
+        <p:blipFill>
+          <a:blip r:embed="rId2">
+            <a:extLst>
+              <a:ext uri="{28A0092B-C50C-407E-A947-70E740481C1C}">
+                <a14:useLocalDpi xmlns:a14="http://schemas.microsoft.com/office/drawing/2010/main" val="0"/>
+              </a:ext>
+            </a:extLst>
+          </a:blip>
+          <a:stretch>
+            <a:fillRect/>
+          </a:stretch>
+        </p:blipFill>
+        <p:spPr>
+          <a:xfrm>
+            <a:off x="0" y="364068"/>
+            <a:ext cx="9144000" cy="5491843"/>
+          </a:xfrm>
+          <a:prstGeom prst="rect">
+            <a:avLst/>
+          </a:prstGeom>
+        </p:spPr>
+      </p:pic>
+    </p:spTree>
+    <p:extLst>
+      <p:ext uri="{BB962C8B-B14F-4D97-AF65-F5344CB8AC3E}">
+        <p14:creationId xmlns:p14="http://schemas.microsoft.com/office/powerpoint/2010/main" val="4100590470"/>
+      </p:ext>
+    </p:extLst>
+  </p:cSld>
+  <p:clrMapOvr>
+    <a:masterClrMapping/>
+  </p:clrMapOvr>
+</p:sld>
+</file>
+
+<file path=ppt/slides/slide13.xml><?xml version="1.0" encoding="utf-8"?>
+<p:sld xmlns:a="http://schemas.openxmlformats.org/drawingml/2006/main" xmlns:r="http://schemas.openxmlformats.org/officeDocument/2006/relationships" xmlns:p="http://schemas.openxmlformats.org/presentationml/2006/main">
+  <p:cSld>
+    <p:spTree>
+      <p:nvGrpSpPr>
+        <p:cNvPr id="1" name=""/>
+        <p:cNvGrpSpPr/>
+        <p:nvPr/>
+      </p:nvGrpSpPr>
+      <p:grpSpPr>
+        <a:xfrm>
+          <a:off x="0" y="0"/>
+          <a:ext cx="0" cy="0"/>
+          <a:chOff x="0" y="0"/>
+          <a:chExt cx="0" cy="0"/>
+        </a:xfrm>
+      </p:grpSpPr>
+      <p:pic>
+        <p:nvPicPr>
+          <p:cNvPr id="5" name="Picture 4" descr="Screen Shot 2015-07-16 at 3.43.30 PM.png"/>
+          <p:cNvPicPr>
+            <a:picLocks noChangeAspect="1"/>
+          </p:cNvPicPr>
+          <p:nvPr/>
+        </p:nvPicPr>
+        <p:blipFill rotWithShape="1">
+          <a:blip r:embed="rId2">
+            <a:extLst>
+              <a:ext uri="{28A0092B-C50C-407E-A947-70E740481C1C}">
+                <a14:useLocalDpi xmlns:a14="http://schemas.microsoft.com/office/drawing/2010/main" val="0"/>
+              </a:ext>
+            </a:extLst>
+          </a:blip>
+          <a:srcRect l="12037"/>
+          <a:stretch/>
+        </p:blipFill>
+        <p:spPr>
+          <a:xfrm>
+            <a:off x="809036" y="851047"/>
+            <a:ext cx="8043333" cy="4525610"/>
+          </a:xfrm>
+          <a:prstGeom prst="rect">
+            <a:avLst/>
+          </a:prstGeom>
+        </p:spPr>
+      </p:pic>
+    </p:spTree>
+    <p:extLst>
+      <p:ext uri="{BB962C8B-B14F-4D97-AF65-F5344CB8AC3E}">
+        <p14:creationId xmlns:p14="http://schemas.microsoft.com/office/powerpoint/2010/main" val="1693650414"/>
+      </p:ext>
+    </p:extLst>
+  </p:cSld>
+  <p:clrMapOvr>
+    <a:masterClrMapping/>
+  </p:clrMapOvr>
+</p:sld>
+</file>
+
+<file path=ppt/slides/slide14.xml><?xml version="1.0" encoding="utf-8"?>
+<p:sld xmlns:a="http://schemas.openxmlformats.org/drawingml/2006/main" xmlns:r="http://schemas.openxmlformats.org/officeDocument/2006/relationships" xmlns:p="http://schemas.openxmlformats.org/presentationml/2006/main">
+  <p:cSld>
+    <p:spTree>
+      <p:nvGrpSpPr>
+        <p:cNvPr id="1" name=""/>
+        <p:cNvGrpSpPr/>
+        <p:nvPr/>
+      </p:nvGrpSpPr>
+      <p:grpSpPr>
+        <a:xfrm>
+          <a:off x="0" y="0"/>
+          <a:ext cx="0" cy="0"/>
+          <a:chOff x="0" y="0"/>
+          <a:chExt cx="0" cy="0"/>
+        </a:xfrm>
+      </p:grpSpPr>
+      <p:grpSp>
+        <p:nvGrpSpPr>
+          <p:cNvPr id="11" name="Group 10"/>
+          <p:cNvGrpSpPr/>
+          <p:nvPr/>
+        </p:nvGrpSpPr>
+        <p:grpSpPr>
+          <a:xfrm>
+            <a:off x="0" y="686126"/>
+            <a:ext cx="9144000" cy="5354871"/>
+            <a:chOff x="0" y="0"/>
+            <a:chExt cx="9144000" cy="5354871"/>
+          </a:xfrm>
+        </p:grpSpPr>
+        <p:pic>
+          <p:nvPicPr>
+            <p:cNvPr id="9" name="Picture 8" descr="Screen Shot 2015-07-16 at 4.52.33 PM.png"/>
+            <p:cNvPicPr>
+              <a:picLocks noChangeAspect="1"/>
+            </p:cNvPicPr>
+            <p:nvPr/>
+          </p:nvPicPr>
+          <p:blipFill>
+            <a:blip r:embed="rId2">
+              <a:extLst>
+                <a:ext uri="{28A0092B-C50C-407E-A947-70E740481C1C}">
+                  <a14:useLocalDpi xmlns:a14="http://schemas.microsoft.com/office/drawing/2010/main" val="0"/>
+                </a:ext>
+              </a:extLst>
+            </a:blip>
+            <a:stretch>
+              <a:fillRect/>
+            </a:stretch>
+          </p:blipFill>
+          <p:spPr>
+            <a:xfrm>
+              <a:off x="0" y="0"/>
+              <a:ext cx="9144000" cy="4602278"/>
+            </a:xfrm>
+            <a:prstGeom prst="rect">
+              <a:avLst/>
+            </a:prstGeom>
+          </p:spPr>
+        </p:pic>
+        <p:pic>
+          <p:nvPicPr>
+            <p:cNvPr id="10" name="Picture 9" descr="Screen Shot 2015-07-16 at 4.51.34 PM.png"/>
+            <p:cNvPicPr>
+              <a:picLocks noChangeAspect="1"/>
+            </p:cNvPicPr>
+            <p:nvPr/>
+          </p:nvPicPr>
+          <p:blipFill rotWithShape="1">
+            <a:blip r:embed="rId3">
+              <a:extLst>
+                <a:ext uri="{28A0092B-C50C-407E-A947-70E740481C1C}">
+                  <a14:useLocalDpi xmlns:a14="http://schemas.microsoft.com/office/drawing/2010/main" val="0"/>
+                </a:ext>
+              </a:extLst>
+            </a:blip>
+            <a:srcRect t="67501"/>
+            <a:stretch/>
+          </p:blipFill>
+          <p:spPr>
+            <a:xfrm>
+              <a:off x="0" y="4583464"/>
+              <a:ext cx="9144000" cy="771407"/>
+            </a:xfrm>
+            <a:prstGeom prst="rect">
+              <a:avLst/>
+            </a:prstGeom>
+          </p:spPr>
+        </p:pic>
+      </p:grpSp>
+      <p:cxnSp>
+        <p:nvCxnSpPr>
+          <p:cNvPr id="15" name="Straight Connector 14"/>
+          <p:cNvCxnSpPr/>
+          <p:nvPr/>
+        </p:nvCxnSpPr>
+        <p:spPr>
+          <a:xfrm flipV="1">
+            <a:off x="7116366" y="2615259"/>
+            <a:ext cx="75937" cy="1"/>
+          </a:xfrm>
+          <a:prstGeom prst="line">
+            <a:avLst/>
+          </a:prstGeom>
+          <a:ln>
+            <a:solidFill>
+              <a:srgbClr val="DB4177"/>
+            </a:solidFill>
+          </a:ln>
+          <a:effectLst/>
+        </p:spPr>
+        <p:style>
+          <a:lnRef idx="2">
+            <a:schemeClr val="accent1"/>
+          </a:lnRef>
+          <a:fillRef idx="0">
+            <a:schemeClr val="accent1"/>
+          </a:fillRef>
+          <a:effectRef idx="1">
+            <a:schemeClr val="accent1"/>
+          </a:effectRef>
+          <a:fontRef idx="minor">
+            <a:schemeClr val="tx1"/>
+          </a:fontRef>
+        </p:style>
+      </p:cxnSp>
+    </p:spTree>
+    <p:extLst>
+      <p:ext uri="{BB962C8B-B14F-4D97-AF65-F5344CB8AC3E}">
+        <p14:creationId xmlns:p14="http://schemas.microsoft.com/office/powerpoint/2010/main" val="1098934972"/>
+      </p:ext>
+    </p:extLst>
+  </p:cSld>
+  <p:clrMapOvr>
+    <a:masterClrMapping/>
+  </p:clrMapOvr>
 </p:sld>
 </file>
 
@@ -4846,7 +5108,7 @@
   <p:timing>
     <p:tnLst>
       <p:par>
-        <p:cTn id="1" dur="indefinite" restart="never" nodeType="tmRoot"/>
+        <p:cTn xmlns:p14="http://schemas.microsoft.com/office/powerpoint/2010/main" id="1" dur="indefinite" restart="never" nodeType="tmRoot"/>
       </p:par>
     </p:tnLst>
   </p:timing>
@@ -4904,14 +5166,14 @@
             <a:noFill/>
           </a:ln>
           <a:extLst>
-            <a:ext uri="{909E8E84-426E-40DD-AFC4-6F175D3DCCD1}">
+            <a:ext uri="{909E8E84-426E-40dd-AFC4-6F175D3DCCD1}">
               <a14:hiddenFill xmlns:a14="http://schemas.microsoft.com/office/drawing/2010/main">
                 <a:solidFill>
                   <a:schemeClr val="accent1"/>
                 </a:solidFill>
               </a14:hiddenFill>
             </a:ext>
-            <a:ext uri="{91240B29-F687-4F45-9708-019B960494DF}">
+            <a:ext uri="{91240B29-F687-4f45-9708-019B960494DF}">
               <a14:hiddenLine xmlns:a14="http://schemas.microsoft.com/office/drawing/2010/main" w="9525">
                 <a:solidFill>
                   <a:schemeClr val="tx1"/>
@@ -4937,7 +5199,7 @@
   <p:timing>
     <p:tnLst>
       <p:par>
-        <p:cTn id="1" dur="indefinite" restart="never" nodeType="tmRoot"/>
+        <p:cTn xmlns:p14="http://schemas.microsoft.com/office/powerpoint/2010/main" id="1" dur="indefinite" restart="never" nodeType="tmRoot"/>
       </p:par>
     </p:tnLst>
   </p:timing>
@@ -4995,14 +5257,14 @@
             <a:noFill/>
           </a:ln>
           <a:extLst>
-            <a:ext uri="{909E8E84-426E-40DD-AFC4-6F175D3DCCD1}">
+            <a:ext uri="{909E8E84-426E-40dd-AFC4-6F175D3DCCD1}">
               <a14:hiddenFill xmlns:a14="http://schemas.microsoft.com/office/drawing/2010/main">
                 <a:solidFill>
                   <a:schemeClr val="accent1"/>
                 </a:solidFill>
               </a14:hiddenFill>
             </a:ext>
-            <a:ext uri="{91240B29-F687-4F45-9708-019B960494DF}">
+            <a:ext uri="{91240B29-F687-4f45-9708-019B960494DF}">
               <a14:hiddenLine xmlns:a14="http://schemas.microsoft.com/office/drawing/2010/main" w="9525">
                 <a:solidFill>
                   <a:schemeClr val="tx1"/>
@@ -5028,7 +5290,7 @@
   <p:timing>
     <p:tnLst>
       <p:par>
-        <p:cTn id="1" dur="indefinite" restart="never" nodeType="tmRoot"/>
+        <p:cTn xmlns:p14="http://schemas.microsoft.com/office/powerpoint/2010/main" id="1" dur="indefinite" restart="never" nodeType="tmRoot"/>
       </p:par>
     </p:tnLst>
   </p:timing>
@@ -5086,14 +5348,14 @@
             <a:noFill/>
           </a:ln>
           <a:extLst>
-            <a:ext uri="{909E8E84-426E-40DD-AFC4-6F175D3DCCD1}">
+            <a:ext uri="{909E8E84-426E-40dd-AFC4-6F175D3DCCD1}">
               <a14:hiddenFill xmlns:a14="http://schemas.microsoft.com/office/drawing/2010/main">
                 <a:solidFill>
                   <a:schemeClr val="accent1"/>
                 </a:solidFill>
               </a14:hiddenFill>
             </a:ext>
-            <a:ext uri="{91240B29-F687-4F45-9708-019B960494DF}">
+            <a:ext uri="{91240B29-F687-4f45-9708-019B960494DF}">
               <a14:hiddenLine xmlns:a14="http://schemas.microsoft.com/office/drawing/2010/main" w="9525">
                 <a:solidFill>
                   <a:schemeClr val="tx1"/>
@@ -5119,7 +5381,7 @@
   <p:timing>
     <p:tnLst>
       <p:par>
-        <p:cTn id="1" dur="indefinite" restart="never" nodeType="tmRoot"/>
+        <p:cTn xmlns:p14="http://schemas.microsoft.com/office/powerpoint/2010/main" id="1" dur="indefinite" restart="never" nodeType="tmRoot"/>
       </p:par>
     </p:tnLst>
   </p:timing>
@@ -5215,14 +5477,14 @@
             <a:noFill/>
           </a:ln>
           <a:extLst>
-            <a:ext uri="{909E8E84-426E-40DD-AFC4-6F175D3DCCD1}">
+            <a:ext uri="{909E8E84-426E-40dd-AFC4-6F175D3DCCD1}">
               <a14:hiddenFill xmlns:a14="http://schemas.microsoft.com/office/drawing/2010/main">
                 <a:solidFill>
                   <a:schemeClr val="accent1"/>
                 </a:solidFill>
               </a14:hiddenFill>
             </a:ext>
-            <a:ext uri="{91240B29-F687-4F45-9708-019B960494DF}">
+            <a:ext uri="{91240B29-F687-4f45-9708-019B960494DF}">
               <a14:hiddenLine xmlns:a14="http://schemas.microsoft.com/office/drawing/2010/main" w="9525">
                 <a:solidFill>
                   <a:schemeClr val="tx1"/>
@@ -5248,7 +5510,7 @@
   <p:timing>
     <p:tnLst>
       <p:par>
-        <p:cTn id="1" dur="indefinite" restart="never" nodeType="tmRoot"/>
+        <p:cTn xmlns:p14="http://schemas.microsoft.com/office/powerpoint/2010/main" id="1" dur="indefinite" restart="never" nodeType="tmRoot"/>
       </p:par>
     </p:tnLst>
   </p:timing>
@@ -5344,14 +5606,14 @@
             <a:noFill/>
           </a:ln>
           <a:extLst>
-            <a:ext uri="{909E8E84-426E-40DD-AFC4-6F175D3DCCD1}">
+            <a:ext uri="{909E8E84-426E-40dd-AFC4-6F175D3DCCD1}">
               <a14:hiddenFill xmlns:a14="http://schemas.microsoft.com/office/drawing/2010/main">
                 <a:solidFill>
                   <a:schemeClr val="accent1"/>
                 </a:solidFill>
               </a14:hiddenFill>
             </a:ext>
-            <a:ext uri="{91240B29-F687-4F45-9708-019B960494DF}">
+            <a:ext uri="{91240B29-F687-4f45-9708-019B960494DF}">
               <a14:hiddenLine xmlns:a14="http://schemas.microsoft.com/office/drawing/2010/main" w="9525">
                 <a:solidFill>
                   <a:schemeClr val="tx1"/>
@@ -5377,7 +5639,7 @@
   <p:timing>
     <p:tnLst>
       <p:par>
-        <p:cTn id="1" dur="indefinite" restart="never" nodeType="tmRoot"/>
+        <p:cTn xmlns:p14="http://schemas.microsoft.com/office/powerpoint/2010/main" id="1" dur="indefinite" restart="never" nodeType="tmRoot"/>
       </p:par>
     </p:tnLst>
   </p:timing>
@@ -5449,14 +5711,14 @@
               <a:noFill/>
             </a:ln>
             <a:extLst>
-              <a:ext uri="{909E8E84-426E-40DD-AFC4-6F175D3DCCD1}">
+              <a:ext uri="{909E8E84-426E-40dd-AFC4-6F175D3DCCD1}">
                 <a14:hiddenFill xmlns:a14="http://schemas.microsoft.com/office/drawing/2010/main">
                   <a:solidFill>
                     <a:schemeClr val="accent1"/>
                   </a:solidFill>
                 </a14:hiddenFill>
               </a:ext>
-              <a:ext uri="{91240B29-F687-4F45-9708-019B960494DF}">
+              <a:ext uri="{91240B29-F687-4f45-9708-019B960494DF}">
                 <a14:hiddenLine xmlns:a14="http://schemas.microsoft.com/office/drawing/2010/main" w="9525">
                   <a:solidFill>
                     <a:schemeClr val="tx1"/>
@@ -5530,7 +5792,7 @@
   <p:timing>
     <p:tnLst>
       <p:par>
-        <p:cTn id="1" dur="indefinite" restart="never" nodeType="tmRoot"/>
+        <p:cTn xmlns:p14="http://schemas.microsoft.com/office/powerpoint/2010/main" id="1" dur="indefinite" restart="never" nodeType="tmRoot"/>
       </p:par>
     </p:tnLst>
   </p:timing>
@@ -5600,14 +5862,14 @@
               <a:noFill/>
             </a:ln>
             <a:extLst>
-              <a:ext uri="{909E8E84-426E-40DD-AFC4-6F175D3DCCD1}">
+              <a:ext uri="{909E8E84-426E-40dd-AFC4-6F175D3DCCD1}">
                 <a14:hiddenFill xmlns:a14="http://schemas.microsoft.com/office/drawing/2010/main">
                   <a:solidFill>
                     <a:schemeClr val="accent1"/>
                   </a:solidFill>
                 </a14:hiddenFill>
               </a:ext>
-              <a:ext uri="{91240B29-F687-4F45-9708-019B960494DF}">
+              <a:ext uri="{91240B29-F687-4f45-9708-019B960494DF}">
                 <a14:hiddenLine xmlns:a14="http://schemas.microsoft.com/office/drawing/2010/main" w="9525">
                   <a:solidFill>
                     <a:schemeClr val="tx1"/>
@@ -5692,7 +5954,7 @@
   <p:timing>
     <p:tnLst>
       <p:par>
-        <p:cTn id="1" dur="indefinite" restart="never" nodeType="tmRoot"/>
+        <p:cTn xmlns:p14="http://schemas.microsoft.com/office/powerpoint/2010/main" id="1" dur="indefinite" restart="never" nodeType="tmRoot"/>
       </p:par>
     </p:tnLst>
   </p:timing>
